--- a/CMP223 - Workload Characterization.pptx
+++ b/CMP223 - Workload Characterization.pptx
@@ -202,7 +202,7 @@
           <a:p>
             <a:fld id="{8A400941-B538-48EF-B32D-9893DAACC57A}" type="datetimeFigureOut">
               <a:rPr lang="pt-BR" smtClean="0"/>
-              <a:t>20/11/2024</a:t>
+              <a:t>24/11/2024</a:t>
             </a:fld>
             <a:endParaRPr lang="pt-BR"/>
           </a:p>
@@ -616,7 +616,7 @@
           <a:p>
             <a:fld id="{0F6D27F2-5452-4E50-865A-82D57E7EB252}" type="datetimeFigureOut">
               <a:rPr lang="pt-BR" smtClean="0"/>
-              <a:t>20/11/2024</a:t>
+              <a:t>24/11/2024</a:t>
             </a:fld>
             <a:endParaRPr lang="pt-BR"/>
           </a:p>
@@ -814,7 +814,7 @@
           <a:p>
             <a:fld id="{0F6D27F2-5452-4E50-865A-82D57E7EB252}" type="datetimeFigureOut">
               <a:rPr lang="pt-BR" smtClean="0"/>
-              <a:t>20/11/2024</a:t>
+              <a:t>24/11/2024</a:t>
             </a:fld>
             <a:endParaRPr lang="pt-BR"/>
           </a:p>
@@ -1022,7 +1022,7 @@
           <a:p>
             <a:fld id="{0F6D27F2-5452-4E50-865A-82D57E7EB252}" type="datetimeFigureOut">
               <a:rPr lang="pt-BR" smtClean="0"/>
-              <a:t>20/11/2024</a:t>
+              <a:t>24/11/2024</a:t>
             </a:fld>
             <a:endParaRPr lang="pt-BR"/>
           </a:p>
@@ -1220,7 +1220,7 @@
           <a:p>
             <a:fld id="{0F6D27F2-5452-4E50-865A-82D57E7EB252}" type="datetimeFigureOut">
               <a:rPr lang="pt-BR" smtClean="0"/>
-              <a:t>20/11/2024</a:t>
+              <a:t>24/11/2024</a:t>
             </a:fld>
             <a:endParaRPr lang="pt-BR"/>
           </a:p>
@@ -1495,7 +1495,7 @@
           <a:p>
             <a:fld id="{0F6D27F2-5452-4E50-865A-82D57E7EB252}" type="datetimeFigureOut">
               <a:rPr lang="pt-BR" smtClean="0"/>
-              <a:t>20/11/2024</a:t>
+              <a:t>24/11/2024</a:t>
             </a:fld>
             <a:endParaRPr lang="pt-BR"/>
           </a:p>
@@ -1760,7 +1760,7 @@
           <a:p>
             <a:fld id="{0F6D27F2-5452-4E50-865A-82D57E7EB252}" type="datetimeFigureOut">
               <a:rPr lang="pt-BR" smtClean="0"/>
-              <a:t>20/11/2024</a:t>
+              <a:t>24/11/2024</a:t>
             </a:fld>
             <a:endParaRPr lang="pt-BR"/>
           </a:p>
@@ -2172,7 +2172,7 @@
           <a:p>
             <a:fld id="{0F6D27F2-5452-4E50-865A-82D57E7EB252}" type="datetimeFigureOut">
               <a:rPr lang="pt-BR" smtClean="0"/>
-              <a:t>20/11/2024</a:t>
+              <a:t>24/11/2024</a:t>
             </a:fld>
             <a:endParaRPr lang="pt-BR"/>
           </a:p>
@@ -2313,7 +2313,7 @@
           <a:p>
             <a:fld id="{0F6D27F2-5452-4E50-865A-82D57E7EB252}" type="datetimeFigureOut">
               <a:rPr lang="pt-BR" smtClean="0"/>
-              <a:t>20/11/2024</a:t>
+              <a:t>24/11/2024</a:t>
             </a:fld>
             <a:endParaRPr lang="pt-BR"/>
           </a:p>
@@ -2426,7 +2426,7 @@
           <a:p>
             <a:fld id="{0F6D27F2-5452-4E50-865A-82D57E7EB252}" type="datetimeFigureOut">
               <a:rPr lang="pt-BR" smtClean="0"/>
-              <a:t>20/11/2024</a:t>
+              <a:t>24/11/2024</a:t>
             </a:fld>
             <a:endParaRPr lang="pt-BR"/>
           </a:p>
@@ -2737,7 +2737,7 @@
           <a:p>
             <a:fld id="{0F6D27F2-5452-4E50-865A-82D57E7EB252}" type="datetimeFigureOut">
               <a:rPr lang="pt-BR" smtClean="0"/>
-              <a:t>20/11/2024</a:t>
+              <a:t>24/11/2024</a:t>
             </a:fld>
             <a:endParaRPr lang="pt-BR"/>
           </a:p>
@@ -3025,7 +3025,7 @@
           <a:p>
             <a:fld id="{0F6D27F2-5452-4E50-865A-82D57E7EB252}" type="datetimeFigureOut">
               <a:rPr lang="pt-BR" smtClean="0"/>
-              <a:t>20/11/2024</a:t>
+              <a:t>24/11/2024</a:t>
             </a:fld>
             <a:endParaRPr lang="pt-BR"/>
           </a:p>
@@ -3266,7 +3266,7 @@
           <a:p>
             <a:fld id="{0F6D27F2-5452-4E50-865A-82D57E7EB252}" type="datetimeFigureOut">
               <a:rPr lang="pt-BR" smtClean="0"/>
-              <a:t>20/11/2024</a:t>
+              <a:t>24/11/2024</a:t>
             </a:fld>
             <a:endParaRPr lang="pt-BR"/>
           </a:p>
@@ -4706,8 +4706,8 @@
         </p:nvSpPr>
         <p:spPr>
           <a:xfrm>
-            <a:off x="54000" y="1394325"/>
-            <a:ext cx="11045526" cy="2449901"/>
+            <a:off x="53999" y="1394325"/>
+            <a:ext cx="11618047" cy="3988784"/>
           </a:xfrm>
           <a:prstGeom prst="rect">
             <a:avLst/>
@@ -4771,6 +4771,57 @@
               <a:buChar char="•"/>
             </a:pPr>
             <a:endParaRPr lang="pt-BR" sz="2000" kern="0" dirty="0">
+              <a:latin typeface="Calibri" panose="020F0502020204030204" pitchFamily="34" charset="0"/>
+              <a:ea typeface="Calibri" panose="020F0502020204030204" pitchFamily="34" charset="0"/>
+              <a:cs typeface="Calibri" panose="020F0502020204030204" pitchFamily="34" charset="0"/>
+              <a:sym typeface="Exo 2.0"/>
+            </a:endParaRPr>
+          </a:p>
+          <a:p>
+            <a:pPr marL="800100" lvl="1" indent="-342900" algn="just">
+              <a:buFont typeface="Arial" panose="020B0604020202020204" pitchFamily="34" charset="0"/>
+              <a:buChar char="•"/>
+            </a:pPr>
+            <a:endParaRPr lang="pt-BR" sz="2000" kern="0" dirty="0">
+              <a:latin typeface="Calibri" panose="020F0502020204030204" pitchFamily="34" charset="0"/>
+              <a:ea typeface="Calibri" panose="020F0502020204030204" pitchFamily="34" charset="0"/>
+              <a:cs typeface="Calibri" panose="020F0502020204030204" pitchFamily="34" charset="0"/>
+              <a:sym typeface="Exo 2.0"/>
+            </a:endParaRPr>
+          </a:p>
+          <a:p>
+            <a:pPr marL="800100" lvl="1" indent="-342900" algn="just">
+              <a:buFont typeface="Arial" panose="020B0604020202020204" pitchFamily="34" charset="0"/>
+              <a:buChar char="•"/>
+            </a:pPr>
+            <a:r>
+              <a:rPr lang="pt-BR" sz="2000" kern="0" dirty="0">
+                <a:latin typeface="Calibri" panose="020F0502020204030204" pitchFamily="34" charset="0"/>
+                <a:ea typeface="Calibri" panose="020F0502020204030204" pitchFamily="34" charset="0"/>
+                <a:cs typeface="Calibri" panose="020F0502020204030204" pitchFamily="34" charset="0"/>
+                <a:sym typeface="Exo 2.0"/>
+              </a:rPr>
+              <a:t>Para a análise dos dados consideramos 5M de linhas. Sendo possível termos o período de 2 dias consecutivos.  </a:t>
+            </a:r>
+          </a:p>
+          <a:p>
+            <a:pPr marL="800100" lvl="1" indent="-342900" algn="just">
+              <a:buFont typeface="Arial" panose="020B0604020202020204" pitchFamily="34" charset="0"/>
+              <a:buChar char="•"/>
+            </a:pPr>
+            <a:endParaRPr lang="pt-BR" sz="2000" kern="0" dirty="0">
+              <a:latin typeface="Calibri" panose="020F0502020204030204" pitchFamily="34" charset="0"/>
+              <a:ea typeface="Calibri" panose="020F0502020204030204" pitchFamily="34" charset="0"/>
+              <a:cs typeface="Calibri" panose="020F0502020204030204" pitchFamily="34" charset="0"/>
+              <a:sym typeface="Exo 2.0"/>
+            </a:endParaRPr>
+          </a:p>
+          <a:p>
+            <a:pPr marL="800100" lvl="1" indent="-342900" algn="just">
+              <a:buFont typeface="Arial" panose="020B0604020202020204" pitchFamily="34" charset="0"/>
+              <a:buChar char="•"/>
+            </a:pPr>
+            <a:endParaRPr lang="pt-BR" sz="2000" kern="0" dirty="0">
               <a:solidFill>
                 <a:schemeClr val="tx1"/>
               </a:solidFill>
@@ -4815,6 +4866,36 @@
           </a:p>
         </p:txBody>
       </p:sp>
+      <p:pic>
+        <p:nvPicPr>
+          <p:cNvPr id="5" name="Imagem 4">
+            <a:extLst>
+              <a:ext uri="{FF2B5EF4-FFF2-40B4-BE49-F238E27FC236}">
+                <a16:creationId xmlns:a16="http://schemas.microsoft.com/office/drawing/2014/main" id="{3002815D-63CF-0695-FF7B-BB82AE835732}"/>
+              </a:ext>
+            </a:extLst>
+          </p:cNvPr>
+          <p:cNvPicPr>
+            <a:picLocks noChangeAspect="1"/>
+          </p:cNvPicPr>
+          <p:nvPr/>
+        </p:nvPicPr>
+        <p:blipFill>
+          <a:blip r:embed="rId2"/>
+          <a:stretch>
+            <a:fillRect/>
+          </a:stretch>
+        </p:blipFill>
+        <p:spPr>
+          <a:xfrm>
+            <a:off x="3910441" y="3506343"/>
+            <a:ext cx="4371119" cy="3209925"/>
+          </a:xfrm>
+          <a:prstGeom prst="rect">
+            <a:avLst/>
+          </a:prstGeom>
+        </p:spPr>
+      </p:pic>
     </p:spTree>
     <p:extLst>
       <p:ext uri="{BB962C8B-B14F-4D97-AF65-F5344CB8AC3E}">
@@ -5026,196 +5107,12 @@
           </a:p>
         </p:txBody>
       </p:sp>
-      <p:sp>
-        <p:nvSpPr>
-          <p:cNvPr id="7" name="CaixaDeTexto 6">
-            <a:extLst>
-              <a:ext uri="{FF2B5EF4-FFF2-40B4-BE49-F238E27FC236}">
-                <a16:creationId xmlns:a16="http://schemas.microsoft.com/office/drawing/2014/main" id="{FD06EDE5-B075-17AF-B59F-398F3281F6CD}"/>
-              </a:ext>
-            </a:extLst>
-          </p:cNvPr>
-          <p:cNvSpPr txBox="1"/>
-          <p:nvPr/>
-        </p:nvSpPr>
-        <p:spPr>
-          <a:xfrm>
-            <a:off x="2187390" y="4777276"/>
-            <a:ext cx="6096000" cy="1938992"/>
-          </a:xfrm>
-          <a:prstGeom prst="rect">
-            <a:avLst/>
-          </a:prstGeom>
-          <a:noFill/>
-        </p:spPr>
-        <p:txBody>
-          <a:bodyPr wrap="square">
-            <a:spAutoFit/>
-          </a:bodyPr>
-          <a:lstStyle/>
-          <a:p>
-            <a:pPr marL="800100" lvl="1" indent="-342900" algn="just">
-              <a:buFont typeface="Arial" panose="020B0604020202020204" pitchFamily="34" charset="0"/>
-              <a:buChar char="•"/>
-            </a:pPr>
-            <a:r>
-              <a:rPr lang="pt-BR" sz="2000" kern="0" dirty="0">
-                <a:solidFill>
-                  <a:schemeClr val="tx1"/>
-                </a:solidFill>
-                <a:latin typeface="Calibri" panose="020F0502020204030204" pitchFamily="34" charset="0"/>
-                <a:ea typeface="Calibri" panose="020F0502020204030204" pitchFamily="34" charset="0"/>
-                <a:cs typeface="Calibri" panose="020F0502020204030204" pitchFamily="34" charset="0"/>
-                <a:sym typeface="Exo 2.0"/>
-              </a:rPr>
-              <a:t>O tipo GET é o mais representativo.</a:t>
-            </a:r>
-          </a:p>
-          <a:p>
-            <a:pPr marL="800100" lvl="1" indent="-342900" algn="just">
-              <a:buFont typeface="Arial" panose="020B0604020202020204" pitchFamily="34" charset="0"/>
-              <a:buChar char="•"/>
-            </a:pPr>
-            <a:endParaRPr lang="pt-BR" sz="2000" kern="0" dirty="0">
-              <a:solidFill>
-                <a:schemeClr val="tx1"/>
-              </a:solidFill>
-              <a:latin typeface="Calibri" panose="020F0502020204030204" pitchFamily="34" charset="0"/>
-              <a:ea typeface="Calibri" panose="020F0502020204030204" pitchFamily="34" charset="0"/>
-              <a:cs typeface="Calibri" panose="020F0502020204030204" pitchFamily="34" charset="0"/>
-              <a:sym typeface="Exo 2.0"/>
-            </a:endParaRPr>
-          </a:p>
-          <a:p>
-            <a:pPr marL="800100" lvl="1" indent="-342900" algn="just">
-              <a:buFont typeface="Arial" panose="020B0604020202020204" pitchFamily="34" charset="0"/>
-              <a:buChar char="•"/>
-            </a:pPr>
-            <a:r>
-              <a:rPr lang="pt-BR" sz="2000" kern="0" dirty="0">
-                <a:solidFill>
-                  <a:schemeClr val="tx1"/>
-                </a:solidFill>
-                <a:latin typeface="Calibri" panose="020F0502020204030204" pitchFamily="34" charset="0"/>
-                <a:ea typeface="Calibri" panose="020F0502020204030204" pitchFamily="34" charset="0"/>
-                <a:cs typeface="Calibri" panose="020F0502020204030204" pitchFamily="34" charset="0"/>
-                <a:sym typeface="Exo 2.0"/>
-              </a:rPr>
-              <a:t>Frequência das requisições é importante sim/não</a:t>
-            </a:r>
-          </a:p>
-          <a:p>
-            <a:pPr marL="800100" lvl="1" indent="-342900" algn="just">
-              <a:buFont typeface="Arial" panose="020B0604020202020204" pitchFamily="34" charset="0"/>
-              <a:buChar char="•"/>
-            </a:pPr>
-            <a:endParaRPr lang="pt-BR" sz="2000" kern="0" dirty="0">
-              <a:solidFill>
-                <a:schemeClr val="tx1"/>
-              </a:solidFill>
-              <a:latin typeface="Calibri" panose="020F0502020204030204" pitchFamily="34" charset="0"/>
-              <a:ea typeface="Calibri" panose="020F0502020204030204" pitchFamily="34" charset="0"/>
-              <a:cs typeface="Calibri" panose="020F0502020204030204" pitchFamily="34" charset="0"/>
-              <a:sym typeface="Exo 2.0"/>
-            </a:endParaRPr>
-          </a:p>
-          <a:p>
-            <a:pPr marL="800100" lvl="1" indent="-342900" algn="just">
-              <a:buFont typeface="Arial" panose="020B0604020202020204" pitchFamily="34" charset="0"/>
-              <a:buChar char="•"/>
-            </a:pPr>
-            <a:r>
-              <a:rPr lang="pt-BR" sz="2000" kern="0" dirty="0">
-                <a:solidFill>
-                  <a:schemeClr val="tx1"/>
-                </a:solidFill>
-                <a:latin typeface="Calibri" panose="020F0502020204030204" pitchFamily="34" charset="0"/>
-                <a:ea typeface="Calibri" panose="020F0502020204030204" pitchFamily="34" charset="0"/>
-                <a:cs typeface="Calibri" panose="020F0502020204030204" pitchFamily="34" charset="0"/>
-                <a:sym typeface="Exo 2.0"/>
-              </a:rPr>
-              <a:t>Tamanho das requisições é importante sim/não</a:t>
-            </a:r>
-          </a:p>
-          <a:p>
-            <a:pPr marL="1257300" lvl="2" indent="-342900" algn="just">
-              <a:buFont typeface="Arial" panose="020B0604020202020204" pitchFamily="34" charset="0"/>
-              <a:buChar char="•"/>
-            </a:pPr>
-            <a:r>
-              <a:rPr lang="pt-BR" sz="2000" kern="0" dirty="0">
-                <a:latin typeface="Calibri" panose="020F0502020204030204" pitchFamily="34" charset="0"/>
-                <a:ea typeface="Calibri" panose="020F0502020204030204" pitchFamily="34" charset="0"/>
-                <a:cs typeface="Calibri" panose="020F0502020204030204" pitchFamily="34" charset="0"/>
-                <a:sym typeface="Exo 2.0"/>
-              </a:rPr>
-              <a:t>clusters</a:t>
-            </a:r>
-            <a:r>
-              <a:rPr lang="pt-BR" sz="2000" kern="0" dirty="0">
-                <a:solidFill>
-                  <a:schemeClr val="tx1"/>
-                </a:solidFill>
-                <a:latin typeface="Calibri" panose="020F0502020204030204" pitchFamily="34" charset="0"/>
-                <a:ea typeface="Calibri" panose="020F0502020204030204" pitchFamily="34" charset="0"/>
-                <a:cs typeface="Calibri" panose="020F0502020204030204" pitchFamily="34" charset="0"/>
-                <a:sym typeface="Exo 2.0"/>
-              </a:rPr>
-              <a:t> </a:t>
-            </a:r>
-          </a:p>
-        </p:txBody>
-      </p:sp>
-      <p:sp>
-        <p:nvSpPr>
-          <p:cNvPr id="9" name="CaixaDeTexto 8">
-            <a:extLst>
-              <a:ext uri="{FF2B5EF4-FFF2-40B4-BE49-F238E27FC236}">
-                <a16:creationId xmlns:a16="http://schemas.microsoft.com/office/drawing/2014/main" id="{5B258B0D-2092-1D77-C65B-0206EF348710}"/>
-              </a:ext>
-            </a:extLst>
-          </p:cNvPr>
-          <p:cNvSpPr txBox="1"/>
-          <p:nvPr/>
-        </p:nvSpPr>
-        <p:spPr>
-          <a:xfrm>
-            <a:off x="268942" y="1434393"/>
-            <a:ext cx="8184776" cy="523220"/>
-          </a:xfrm>
-          <a:prstGeom prst="rect">
-            <a:avLst/>
-          </a:prstGeom>
-          <a:noFill/>
-        </p:spPr>
-        <p:txBody>
-          <a:bodyPr wrap="square">
-            <a:spAutoFit/>
-          </a:bodyPr>
-          <a:lstStyle/>
-          <a:p>
-            <a:pPr marL="800100" lvl="1" indent="-342900" algn="just">
-              <a:buFont typeface="Arial" panose="020B0604020202020204" pitchFamily="34" charset="0"/>
-              <a:buChar char="•"/>
-            </a:pPr>
-            <a:r>
-              <a:rPr lang="pt-BR" sz="1400" kern="0" dirty="0">
-                <a:latin typeface="Calibri" panose="020F0502020204030204" pitchFamily="34" charset="0"/>
-                <a:ea typeface="Calibri" panose="020F0502020204030204" pitchFamily="34" charset="0"/>
-                <a:cs typeface="Calibri" panose="020F0502020204030204" pitchFamily="34" charset="0"/>
-                <a:sym typeface="Exo 2.0"/>
-              </a:rPr>
-              <a:t>Para a análise dos dados consideramos 5M de linhas. Sendo possível termos o período de 2 dias consecutivos.  </a:t>
-            </a:r>
-          </a:p>
-        </p:txBody>
-      </p:sp>
       <p:pic>
         <p:nvPicPr>
-          <p:cNvPr id="10" name="Imagem 9">
-            <a:extLst>
-              <a:ext uri="{FF2B5EF4-FFF2-40B4-BE49-F238E27FC236}">
-                <a16:creationId xmlns:a16="http://schemas.microsoft.com/office/drawing/2014/main" id="{85F87F60-4827-CFBF-2797-46408AA52CBD}"/>
+          <p:cNvPr id="4" name="Imagem 3">
+            <a:extLst>
+              <a:ext uri="{FF2B5EF4-FFF2-40B4-BE49-F238E27FC236}">
+                <a16:creationId xmlns:a16="http://schemas.microsoft.com/office/drawing/2014/main" id="{D5879733-7E5E-7241-B2C2-1B2A5433A449}"/>
               </a:ext>
             </a:extLst>
           </p:cNvPr>
@@ -5232,14 +5129,210 @@
         </p:blipFill>
         <p:spPr>
           <a:xfrm>
-            <a:off x="1091083" y="2080724"/>
-            <a:ext cx="2985247" cy="2113419"/>
+            <a:off x="2934324" y="2526832"/>
+            <a:ext cx="2561541" cy="2179029"/>
           </a:xfrm>
           <a:prstGeom prst="rect">
             <a:avLst/>
           </a:prstGeom>
         </p:spPr>
       </p:pic>
+      <p:pic>
+        <p:nvPicPr>
+          <p:cNvPr id="11" name="Imagem 10">
+            <a:extLst>
+              <a:ext uri="{FF2B5EF4-FFF2-40B4-BE49-F238E27FC236}">
+                <a16:creationId xmlns:a16="http://schemas.microsoft.com/office/drawing/2014/main" id="{632C6640-CD45-4034-FC66-7A9A6570A018}"/>
+              </a:ext>
+            </a:extLst>
+          </p:cNvPr>
+          <p:cNvPicPr>
+            <a:picLocks noChangeAspect="1"/>
+          </p:cNvPicPr>
+          <p:nvPr/>
+        </p:nvPicPr>
+        <p:blipFill>
+          <a:blip r:embed="rId3"/>
+          <a:stretch>
+            <a:fillRect/>
+          </a:stretch>
+        </p:blipFill>
+        <p:spPr>
+          <a:xfrm>
+            <a:off x="86906" y="2526832"/>
+            <a:ext cx="2561541" cy="1946269"/>
+          </a:xfrm>
+          <a:prstGeom prst="rect">
+            <a:avLst/>
+          </a:prstGeom>
+        </p:spPr>
+      </p:pic>
+      <p:sp>
+        <p:nvSpPr>
+          <p:cNvPr id="12" name="CaixaDeTexto 11">
+            <a:extLst>
+              <a:ext uri="{FF2B5EF4-FFF2-40B4-BE49-F238E27FC236}">
+                <a16:creationId xmlns:a16="http://schemas.microsoft.com/office/drawing/2014/main" id="{7F6F16B3-55EA-D2D9-183D-A566667D4B07}"/>
+              </a:ext>
+            </a:extLst>
+          </p:cNvPr>
+          <p:cNvSpPr txBox="1"/>
+          <p:nvPr/>
+        </p:nvSpPr>
+        <p:spPr>
+          <a:xfrm>
+            <a:off x="86906" y="1861435"/>
+            <a:ext cx="2561541" cy="523220"/>
+          </a:xfrm>
+          <a:prstGeom prst="rect">
+            <a:avLst/>
+          </a:prstGeom>
+          <a:noFill/>
+        </p:spPr>
+        <p:txBody>
+          <a:bodyPr wrap="square" rtlCol="0">
+            <a:spAutoFit/>
+          </a:bodyPr>
+          <a:lstStyle/>
+          <a:p>
+            <a:r>
+              <a:rPr lang="pt-BR" sz="1400" kern="0" dirty="0">
+                <a:latin typeface="Calibri" panose="020F0502020204030204" pitchFamily="34" charset="0"/>
+                <a:ea typeface="Calibri" panose="020F0502020204030204" pitchFamily="34" charset="0"/>
+                <a:cs typeface="Calibri" panose="020F0502020204030204" pitchFamily="34" charset="0"/>
+                <a:sym typeface="Exo 2.0"/>
+              </a:rPr>
+              <a:t>O resultado das requisições mais representativo é o 200 (Sucesso)</a:t>
+            </a:r>
+          </a:p>
+        </p:txBody>
+      </p:sp>
+      <p:sp>
+        <p:nvSpPr>
+          <p:cNvPr id="13" name="CaixaDeTexto 12">
+            <a:extLst>
+              <a:ext uri="{FF2B5EF4-FFF2-40B4-BE49-F238E27FC236}">
+                <a16:creationId xmlns:a16="http://schemas.microsoft.com/office/drawing/2014/main" id="{46DE8D7E-F34B-1A7C-3DAA-B8F5DCB39132}"/>
+              </a:ext>
+            </a:extLst>
+          </p:cNvPr>
+          <p:cNvSpPr txBox="1"/>
+          <p:nvPr/>
+        </p:nvSpPr>
+        <p:spPr>
+          <a:xfrm>
+            <a:off x="2934323" y="1926835"/>
+            <a:ext cx="2561542" cy="523220"/>
+          </a:xfrm>
+          <a:prstGeom prst="rect">
+            <a:avLst/>
+          </a:prstGeom>
+          <a:noFill/>
+        </p:spPr>
+        <p:txBody>
+          <a:bodyPr wrap="square" rtlCol="0">
+            <a:spAutoFit/>
+          </a:bodyPr>
+          <a:lstStyle/>
+          <a:p>
+            <a:pPr algn="ctr"/>
+            <a:r>
+              <a:rPr lang="pt-BR" sz="1400" dirty="0">
+                <a:sym typeface="Exo 2.0"/>
+              </a:rPr>
+              <a:t>O método GET é o mais representativo.</a:t>
+            </a:r>
+          </a:p>
+        </p:txBody>
+      </p:sp>
+      <p:sp>
+        <p:nvSpPr>
+          <p:cNvPr id="14" name="CaixaDeTexto 13">
+            <a:extLst>
+              <a:ext uri="{FF2B5EF4-FFF2-40B4-BE49-F238E27FC236}">
+                <a16:creationId xmlns:a16="http://schemas.microsoft.com/office/drawing/2014/main" id="{1EF45952-0535-ED5B-205F-4372115E98BB}"/>
+              </a:ext>
+            </a:extLst>
+          </p:cNvPr>
+          <p:cNvSpPr txBox="1"/>
+          <p:nvPr/>
+        </p:nvSpPr>
+        <p:spPr>
+          <a:xfrm>
+            <a:off x="6097801" y="1923611"/>
+            <a:ext cx="2318199" cy="307777"/>
+          </a:xfrm>
+          <a:prstGeom prst="rect">
+            <a:avLst/>
+          </a:prstGeom>
+          <a:noFill/>
+        </p:spPr>
+        <p:txBody>
+          <a:bodyPr wrap="none" rtlCol="0">
+            <a:spAutoFit/>
+          </a:bodyPr>
+          <a:lstStyle>
+            <a:defPPr>
+              <a:defRPr lang="pt-BR"/>
+            </a:defPPr>
+            <a:lvl1pPr>
+              <a:defRPr sz="1400"/>
+            </a:lvl1pPr>
+          </a:lstStyle>
+          <a:p>
+            <a:r>
+              <a:rPr lang="pt-BR" dirty="0">
+                <a:sym typeface="Exo 2.0"/>
+              </a:rPr>
+              <a:t>Frequência das requisições</a:t>
+            </a:r>
+          </a:p>
+        </p:txBody>
+      </p:sp>
+      <p:sp>
+        <p:nvSpPr>
+          <p:cNvPr id="15" name="CaixaDeTexto 14">
+            <a:extLst>
+              <a:ext uri="{FF2B5EF4-FFF2-40B4-BE49-F238E27FC236}">
+                <a16:creationId xmlns:a16="http://schemas.microsoft.com/office/drawing/2014/main" id="{0D73A2AD-7BE2-576E-5847-BB9E83867825}"/>
+              </a:ext>
+            </a:extLst>
+          </p:cNvPr>
+          <p:cNvSpPr txBox="1"/>
+          <p:nvPr/>
+        </p:nvSpPr>
+        <p:spPr>
+          <a:xfrm>
+            <a:off x="9350189" y="1923611"/>
+            <a:ext cx="2029723" cy="307777"/>
+          </a:xfrm>
+          <a:prstGeom prst="rect">
+            <a:avLst/>
+          </a:prstGeom>
+          <a:noFill/>
+        </p:spPr>
+        <p:txBody>
+          <a:bodyPr wrap="none" rtlCol="0">
+            <a:spAutoFit/>
+          </a:bodyPr>
+          <a:lstStyle/>
+          <a:p>
+            <a:r>
+              <a:rPr lang="pt-BR" sz="1400" kern="0" dirty="0">
+                <a:solidFill>
+                  <a:schemeClr val="tx1"/>
+                </a:solidFill>
+                <a:latin typeface="Calibri" panose="020F0502020204030204" pitchFamily="34" charset="0"/>
+                <a:ea typeface="Calibri" panose="020F0502020204030204" pitchFamily="34" charset="0"/>
+                <a:cs typeface="Calibri" panose="020F0502020204030204" pitchFamily="34" charset="0"/>
+                <a:sym typeface="Exo 2.0"/>
+              </a:rPr>
+              <a:t>Tamanho das requisições</a:t>
+            </a:r>
+            <a:endParaRPr lang="pt-BR" sz="1400" dirty="0"/>
+          </a:p>
+        </p:txBody>
+      </p:sp>
     </p:spTree>
     <p:extLst>
       <p:ext uri="{BB962C8B-B14F-4D97-AF65-F5344CB8AC3E}">
@@ -5261,7 +5354,7 @@
         <p:cNvPr id="1" name="">
           <a:extLst>
             <a:ext uri="{FF2B5EF4-FFF2-40B4-BE49-F238E27FC236}">
-              <a16:creationId xmlns:a16="http://schemas.microsoft.com/office/drawing/2014/main" id="{2B39BF69-F7EB-D77C-18BF-9D514E31052E}"/>
+              <a16:creationId xmlns:a16="http://schemas.microsoft.com/office/drawing/2014/main" id="{8A6DD52B-A9A5-F418-87CA-E8C6DB165FE7}"/>
             </a:ext>
           </a:extLst>
         </p:cNvPr>
@@ -5281,7 +5374,7 @@
           <p:cNvPr id="3" name="Retângulo 2">
             <a:extLst>
               <a:ext uri="{FF2B5EF4-FFF2-40B4-BE49-F238E27FC236}">
-                <a16:creationId xmlns:a16="http://schemas.microsoft.com/office/drawing/2014/main" id="{60B492FF-6813-C91C-85BE-7855132D7B20}"/>
+                <a16:creationId xmlns:a16="http://schemas.microsoft.com/office/drawing/2014/main" id="{B1848E70-45B3-A4F0-3125-3E3BC657E762}"/>
               </a:ext>
             </a:extLst>
           </p:cNvPr>
@@ -5333,7 +5426,7 @@
           <p:cNvPr id="46" name="Retângulo 45">
             <a:extLst>
               <a:ext uri="{FF2B5EF4-FFF2-40B4-BE49-F238E27FC236}">
-                <a16:creationId xmlns:a16="http://schemas.microsoft.com/office/drawing/2014/main" id="{C9BB8527-255D-B019-B68E-4ABF5859E4F6}"/>
+                <a16:creationId xmlns:a16="http://schemas.microsoft.com/office/drawing/2014/main" id="{261DB633-EEF0-1C70-1EC4-9238A7BF5B4B}"/>
               </a:ext>
             </a:extLst>
           </p:cNvPr>
@@ -5387,7 +5480,7 @@
           <p:cNvPr id="47" name="Title 3">
             <a:extLst>
               <a:ext uri="{FF2B5EF4-FFF2-40B4-BE49-F238E27FC236}">
-                <a16:creationId xmlns:a16="http://schemas.microsoft.com/office/drawing/2014/main" id="{FFA791CB-C2C3-7AF2-D0E9-5E19A6B19785}"/>
+                <a16:creationId xmlns:a16="http://schemas.microsoft.com/office/drawing/2014/main" id="{7E24EE5D-A54F-E277-BEF9-6123614B70D4}"/>
               </a:ext>
             </a:extLst>
           </p:cNvPr>
@@ -5453,10 +5546,10 @@
       </p:sp>
       <p:sp>
         <p:nvSpPr>
-          <p:cNvPr id="2" name="CaixaDeTexto 1">
-            <a:extLst>
-              <a:ext uri="{FF2B5EF4-FFF2-40B4-BE49-F238E27FC236}">
-                <a16:creationId xmlns:a16="http://schemas.microsoft.com/office/drawing/2014/main" id="{31A45782-4F0D-FCEF-3F92-600F6D5A0C1E}"/>
+          <p:cNvPr id="9" name="CaixaDeTexto 8">
+            <a:extLst>
+              <a:ext uri="{FF2B5EF4-FFF2-40B4-BE49-F238E27FC236}">
+                <a16:creationId xmlns:a16="http://schemas.microsoft.com/office/drawing/2014/main" id="{8DFB8A65-F08B-4D80-C4E7-6E0603FD25D5}"/>
               </a:ext>
             </a:extLst>
           </p:cNvPr>
@@ -5465,8 +5558,8 @@
         </p:nvSpPr>
         <p:spPr>
           <a:xfrm>
-            <a:off x="484094" y="1215089"/>
-            <a:ext cx="4751082" cy="510909"/>
+            <a:off x="71720" y="1296683"/>
+            <a:ext cx="4324228" cy="3170099"/>
           </a:xfrm>
           <a:prstGeom prst="rect">
             <a:avLst/>
@@ -5474,217 +5567,12 @@
           <a:noFill/>
         </p:spPr>
         <p:txBody>
-          <a:bodyPr wrap="square" lIns="182880" tIns="146304" rIns="182880" bIns="146304" rtlCol="0">
-            <a:spAutoFit/>
-          </a:bodyPr>
-          <a:lstStyle>
-            <a:defPPr>
-              <a:defRPr lang="pt-BR"/>
-            </a:defPPr>
-            <a:lvl1pPr defTabSz="932742">
-              <a:lnSpc>
-                <a:spcPct val="90000"/>
-              </a:lnSpc>
-              <a:spcAft>
-                <a:spcPts val="600"/>
-              </a:spcAft>
-              <a:defRPr sz="3200" kern="0">
-                <a:solidFill>
-                  <a:schemeClr val="bg1"/>
-                </a:solidFill>
-                <a:latin typeface="Exo 2.0" panose="00000500000000000000" pitchFamily="50" charset="0"/>
-                <a:cs typeface="Helvetica"/>
-              </a:defRPr>
-            </a:lvl1pPr>
-          </a:lstStyle>
-          <a:p>
-            <a:pPr lvl="1" algn="just"/>
-            <a:r>
-              <a:rPr lang="pt-BR" sz="1400" kern="0" dirty="0">
-                <a:latin typeface="Calibri" panose="020F0502020204030204" pitchFamily="34" charset="0"/>
-                <a:ea typeface="Calibri" panose="020F0502020204030204" pitchFamily="34" charset="0"/>
-                <a:cs typeface="Calibri" panose="020F0502020204030204" pitchFamily="34" charset="0"/>
-                <a:sym typeface="Exo 2.0"/>
-              </a:rPr>
-              <a:t>S</a:t>
-            </a:r>
-            <a:r>
-              <a:rPr lang="pt-BR" sz="1400" kern="0" dirty="0">
-                <a:solidFill>
-                  <a:schemeClr val="tx1"/>
-                </a:solidFill>
-                <a:latin typeface="Calibri" panose="020F0502020204030204" pitchFamily="34" charset="0"/>
-                <a:ea typeface="Calibri" panose="020F0502020204030204" pitchFamily="34" charset="0"/>
-                <a:cs typeface="Calibri" panose="020F0502020204030204" pitchFamily="34" charset="0"/>
-                <a:sym typeface="Exo 2.0"/>
-              </a:rPr>
-              <a:t>tatus 200 (</a:t>
-            </a:r>
-            <a:r>
-              <a:rPr lang="pt-BR" sz="1400" b="0" i="0" dirty="0">
-                <a:effectLst/>
-                <a:latin typeface="system-ui"/>
-              </a:rPr>
-              <a:t>Sucesso</a:t>
-            </a:r>
-            <a:r>
-              <a:rPr lang="pt-BR" sz="1400" kern="0" dirty="0">
-                <a:solidFill>
-                  <a:schemeClr val="tx1"/>
-                </a:solidFill>
-                <a:latin typeface="Calibri" panose="020F0502020204030204" pitchFamily="34" charset="0"/>
-                <a:ea typeface="Calibri" panose="020F0502020204030204" pitchFamily="34" charset="0"/>
-                <a:cs typeface="Calibri" panose="020F0502020204030204" pitchFamily="34" charset="0"/>
-                <a:sym typeface="Exo 2.0"/>
-              </a:rPr>
-              <a:t>) é o mais representativo.</a:t>
-            </a:r>
-          </a:p>
-        </p:txBody>
-      </p:sp>
-      <p:pic>
-        <p:nvPicPr>
-          <p:cNvPr id="5" name="Imagem 4">
-            <a:extLst>
-              <a:ext uri="{FF2B5EF4-FFF2-40B4-BE49-F238E27FC236}">
-                <a16:creationId xmlns:a16="http://schemas.microsoft.com/office/drawing/2014/main" id="{415E6678-B1BB-BFC0-4760-E4CA66FB0F37}"/>
-              </a:ext>
-            </a:extLst>
-          </p:cNvPr>
-          <p:cNvPicPr>
-            <a:picLocks noChangeAspect="1"/>
-          </p:cNvPicPr>
-          <p:nvPr/>
-        </p:nvPicPr>
-        <p:blipFill>
-          <a:blip r:embed="rId2"/>
-          <a:stretch>
-            <a:fillRect/>
-          </a:stretch>
-        </p:blipFill>
-        <p:spPr>
-          <a:xfrm>
-            <a:off x="690282" y="1613593"/>
-            <a:ext cx="3801035" cy="2670997"/>
-          </a:xfrm>
-          <a:prstGeom prst="rect">
-            <a:avLst/>
-          </a:prstGeom>
-        </p:spPr>
-      </p:pic>
-      <p:sp>
-        <p:nvSpPr>
-          <p:cNvPr id="7" name="CaixaDeTexto 6">
-            <a:extLst>
-              <a:ext uri="{FF2B5EF4-FFF2-40B4-BE49-F238E27FC236}">
-                <a16:creationId xmlns:a16="http://schemas.microsoft.com/office/drawing/2014/main" id="{5D065ED8-C846-D967-EF6D-51BB332B3079}"/>
-              </a:ext>
-            </a:extLst>
-          </p:cNvPr>
-          <p:cNvSpPr txBox="1"/>
-          <p:nvPr/>
-        </p:nvSpPr>
-        <p:spPr>
-          <a:xfrm>
-            <a:off x="2187390" y="4777276"/>
-            <a:ext cx="6096000" cy="1938992"/>
-          </a:xfrm>
-          <a:prstGeom prst="rect">
-            <a:avLst/>
-          </a:prstGeom>
-          <a:noFill/>
-        </p:spPr>
-        <p:txBody>
           <a:bodyPr wrap="square">
             <a:spAutoFit/>
           </a:bodyPr>
           <a:lstStyle/>
           <a:p>
-            <a:pPr marL="800100" lvl="1" indent="-342900" algn="just">
-              <a:buFont typeface="Arial" panose="020B0604020202020204" pitchFamily="34" charset="0"/>
-              <a:buChar char="•"/>
-            </a:pPr>
-            <a:r>
-              <a:rPr lang="pt-BR" sz="2000" kern="0" dirty="0">
-                <a:solidFill>
-                  <a:schemeClr val="tx1"/>
-                </a:solidFill>
-                <a:latin typeface="Calibri" panose="020F0502020204030204" pitchFamily="34" charset="0"/>
-                <a:ea typeface="Calibri" panose="020F0502020204030204" pitchFamily="34" charset="0"/>
-                <a:cs typeface="Calibri" panose="020F0502020204030204" pitchFamily="34" charset="0"/>
-                <a:sym typeface="Exo 2.0"/>
-              </a:rPr>
-              <a:t>O tipo GET é o mais representativo.</a:t>
-            </a:r>
-          </a:p>
-          <a:p>
-            <a:pPr marL="800100" lvl="1" indent="-342900" algn="just">
-              <a:buFont typeface="Arial" panose="020B0604020202020204" pitchFamily="34" charset="0"/>
-              <a:buChar char="•"/>
-            </a:pPr>
-            <a:endParaRPr lang="pt-BR" sz="2000" kern="0" dirty="0">
-              <a:solidFill>
-                <a:schemeClr val="tx1"/>
-              </a:solidFill>
-              <a:latin typeface="Calibri" panose="020F0502020204030204" pitchFamily="34" charset="0"/>
-              <a:ea typeface="Calibri" panose="020F0502020204030204" pitchFamily="34" charset="0"/>
-              <a:cs typeface="Calibri" panose="020F0502020204030204" pitchFamily="34" charset="0"/>
-              <a:sym typeface="Exo 2.0"/>
-            </a:endParaRPr>
-          </a:p>
-          <a:p>
-            <a:pPr marL="800100" lvl="1" indent="-342900" algn="just">
-              <a:buFont typeface="Arial" panose="020B0604020202020204" pitchFamily="34" charset="0"/>
-              <a:buChar char="•"/>
-            </a:pPr>
-            <a:r>
-              <a:rPr lang="pt-BR" sz="2000" kern="0" dirty="0">
-                <a:solidFill>
-                  <a:schemeClr val="tx1"/>
-                </a:solidFill>
-                <a:latin typeface="Calibri" panose="020F0502020204030204" pitchFamily="34" charset="0"/>
-                <a:ea typeface="Calibri" panose="020F0502020204030204" pitchFamily="34" charset="0"/>
-                <a:cs typeface="Calibri" panose="020F0502020204030204" pitchFamily="34" charset="0"/>
-                <a:sym typeface="Exo 2.0"/>
-              </a:rPr>
-              <a:t>Frequência das requisições é importante sim/não</a:t>
-            </a:r>
-          </a:p>
-          <a:p>
-            <a:pPr marL="800100" lvl="1" indent="-342900" algn="just">
-              <a:buFont typeface="Arial" panose="020B0604020202020204" pitchFamily="34" charset="0"/>
-              <a:buChar char="•"/>
-            </a:pPr>
-            <a:endParaRPr lang="pt-BR" sz="2000" kern="0" dirty="0">
-              <a:solidFill>
-                <a:schemeClr val="tx1"/>
-              </a:solidFill>
-              <a:latin typeface="Calibri" panose="020F0502020204030204" pitchFamily="34" charset="0"/>
-              <a:ea typeface="Calibri" panose="020F0502020204030204" pitchFamily="34" charset="0"/>
-              <a:cs typeface="Calibri" panose="020F0502020204030204" pitchFamily="34" charset="0"/>
-              <a:sym typeface="Exo 2.0"/>
-            </a:endParaRPr>
-          </a:p>
-          <a:p>
-            <a:pPr marL="800100" lvl="1" indent="-342900" algn="just">
-              <a:buFont typeface="Arial" panose="020B0604020202020204" pitchFamily="34" charset="0"/>
-              <a:buChar char="•"/>
-            </a:pPr>
-            <a:r>
-              <a:rPr lang="pt-BR" sz="2000" kern="0" dirty="0">
-                <a:solidFill>
-                  <a:schemeClr val="tx1"/>
-                </a:solidFill>
-                <a:latin typeface="Calibri" panose="020F0502020204030204" pitchFamily="34" charset="0"/>
-                <a:ea typeface="Calibri" panose="020F0502020204030204" pitchFamily="34" charset="0"/>
-                <a:cs typeface="Calibri" panose="020F0502020204030204" pitchFamily="34" charset="0"/>
-                <a:sym typeface="Exo 2.0"/>
-              </a:rPr>
-              <a:t>Tamanho das requisições é importante sim/não</a:t>
-            </a:r>
-          </a:p>
-          <a:p>
-            <a:pPr marL="1257300" lvl="2" indent="-342900" algn="just">
+            <a:pPr marL="742950" lvl="1" indent="-285750">
               <a:buFont typeface="Arial" panose="020B0604020202020204" pitchFamily="34" charset="0"/>
               <a:buChar char="•"/>
             </a:pPr>
@@ -5695,27 +5583,162 @@
                 <a:cs typeface="Calibri" panose="020F0502020204030204" pitchFamily="34" charset="0"/>
                 <a:sym typeface="Exo 2.0"/>
               </a:rPr>
-              <a:t>clusters</a:t>
-            </a:r>
+              <a:t>Resumo:</a:t>
+            </a:r>
+          </a:p>
+          <a:p>
+            <a:pPr marL="742950" lvl="1" indent="-285750">
+              <a:buFont typeface="Arial" panose="020B0604020202020204" pitchFamily="34" charset="0"/>
+              <a:buChar char="•"/>
+            </a:pPr>
+            <a:endParaRPr lang="pt-BR" sz="2000" kern="0" dirty="0">
+              <a:latin typeface="Calibri" panose="020F0502020204030204" pitchFamily="34" charset="0"/>
+              <a:ea typeface="Calibri" panose="020F0502020204030204" pitchFamily="34" charset="0"/>
+              <a:cs typeface="Calibri" panose="020F0502020204030204" pitchFamily="34" charset="0"/>
+              <a:sym typeface="Exo 2.0"/>
+            </a:endParaRPr>
+          </a:p>
+          <a:p>
+            <a:pPr marL="742950" lvl="1" indent="-285750">
+              <a:buFont typeface="Arial" panose="020B0604020202020204" pitchFamily="34" charset="0"/>
+              <a:buChar char="•"/>
+            </a:pPr>
             <a:r>
               <a:rPr lang="pt-BR" sz="2000" kern="0" dirty="0">
-                <a:solidFill>
-                  <a:schemeClr val="tx1"/>
-                </a:solidFill>
                 <a:latin typeface="Calibri" panose="020F0502020204030204" pitchFamily="34" charset="0"/>
                 <a:ea typeface="Calibri" panose="020F0502020204030204" pitchFamily="34" charset="0"/>
                 <a:cs typeface="Calibri" panose="020F0502020204030204" pitchFamily="34" charset="0"/>
                 <a:sym typeface="Exo 2.0"/>
               </a:rPr>
-              <a:t> </a:t>
-            </a:r>
+              <a:t>Frequência:</a:t>
+            </a:r>
+          </a:p>
+          <a:p>
+            <a:pPr marL="1200150" lvl="2" indent="-285750">
+              <a:buFont typeface="Arial" panose="020B0604020202020204" pitchFamily="34" charset="0"/>
+              <a:buChar char="•"/>
+            </a:pPr>
+            <a:r>
+              <a:rPr lang="pt-BR" sz="2000" kern="0" dirty="0">
+                <a:latin typeface="Calibri" panose="020F0502020204030204" pitchFamily="34" charset="0"/>
+                <a:ea typeface="Calibri" panose="020F0502020204030204" pitchFamily="34" charset="0"/>
+                <a:cs typeface="Calibri" panose="020F0502020204030204" pitchFamily="34" charset="0"/>
+                <a:sym typeface="Exo 2.0"/>
+              </a:rPr>
+              <a:t>Pico XX/minuto</a:t>
+            </a:r>
+          </a:p>
+          <a:p>
+            <a:pPr marL="1200150" lvl="2" indent="-285750">
+              <a:buFont typeface="Arial" panose="020B0604020202020204" pitchFamily="34" charset="0"/>
+              <a:buChar char="•"/>
+            </a:pPr>
+            <a:r>
+              <a:rPr lang="pt-BR" sz="2000" kern="0" dirty="0">
+                <a:latin typeface="Calibri" panose="020F0502020204030204" pitchFamily="34" charset="0"/>
+                <a:ea typeface="Calibri" panose="020F0502020204030204" pitchFamily="34" charset="0"/>
+                <a:cs typeface="Calibri" panose="020F0502020204030204" pitchFamily="34" charset="0"/>
+                <a:sym typeface="Exo 2.0"/>
+              </a:rPr>
+              <a:t>Média</a:t>
+            </a:r>
+          </a:p>
+          <a:p>
+            <a:pPr marL="1200150" lvl="2" indent="-285750">
+              <a:buFont typeface="Arial" panose="020B0604020202020204" pitchFamily="34" charset="0"/>
+              <a:buChar char="•"/>
+            </a:pPr>
+            <a:r>
+              <a:rPr lang="pt-BR" sz="2000" kern="0" dirty="0">
+                <a:latin typeface="Calibri" panose="020F0502020204030204" pitchFamily="34" charset="0"/>
+                <a:ea typeface="Calibri" panose="020F0502020204030204" pitchFamily="34" charset="0"/>
+                <a:cs typeface="Calibri" panose="020F0502020204030204" pitchFamily="34" charset="0"/>
+                <a:sym typeface="Exo 2.0"/>
+              </a:rPr>
+              <a:t>Mediana</a:t>
+            </a:r>
+          </a:p>
+          <a:p>
+            <a:pPr marL="742950" lvl="1" indent="-285750">
+              <a:buFont typeface="Arial" panose="020B0604020202020204" pitchFamily="34" charset="0"/>
+              <a:buChar char="•"/>
+            </a:pPr>
+            <a:r>
+              <a:rPr lang="pt-BR" sz="2000" kern="0" dirty="0" err="1">
+                <a:latin typeface="Calibri" panose="020F0502020204030204" pitchFamily="34" charset="0"/>
+                <a:ea typeface="Calibri" panose="020F0502020204030204" pitchFamily="34" charset="0"/>
+                <a:cs typeface="Calibri" panose="020F0502020204030204" pitchFamily="34" charset="0"/>
+                <a:sym typeface="Exo 2.0"/>
+              </a:rPr>
+              <a:t>Request</a:t>
+            </a:r>
+            <a:r>
+              <a:rPr lang="pt-BR" sz="2000" kern="0" dirty="0">
+                <a:latin typeface="Calibri" panose="020F0502020204030204" pitchFamily="34" charset="0"/>
+                <a:ea typeface="Calibri" panose="020F0502020204030204" pitchFamily="34" charset="0"/>
+                <a:cs typeface="Calibri" panose="020F0502020204030204" pitchFamily="34" charset="0"/>
+                <a:sym typeface="Exo 2.0"/>
+              </a:rPr>
+              <a:t> GET </a:t>
+            </a:r>
+          </a:p>
+          <a:p>
+            <a:pPr marL="742950" lvl="1" indent="-285750">
+              <a:buFont typeface="Arial" panose="020B0604020202020204" pitchFamily="34" charset="0"/>
+              <a:buChar char="•"/>
+            </a:pPr>
+            <a:r>
+              <a:rPr lang="pt-BR" sz="2000" kern="0" dirty="0" err="1">
+                <a:latin typeface="Calibri" panose="020F0502020204030204" pitchFamily="34" charset="0"/>
+                <a:ea typeface="Calibri" panose="020F0502020204030204" pitchFamily="34" charset="0"/>
+                <a:cs typeface="Calibri" panose="020F0502020204030204" pitchFamily="34" charset="0"/>
+                <a:sym typeface="Exo 2.0"/>
+              </a:rPr>
+              <a:t>Result</a:t>
+            </a:r>
+            <a:r>
+              <a:rPr lang="pt-BR" sz="2000" kern="0" dirty="0">
+                <a:latin typeface="Calibri" panose="020F0502020204030204" pitchFamily="34" charset="0"/>
+                <a:ea typeface="Calibri" panose="020F0502020204030204" pitchFamily="34" charset="0"/>
+                <a:cs typeface="Calibri" panose="020F0502020204030204" pitchFamily="34" charset="0"/>
+                <a:sym typeface="Exo 2.0"/>
+              </a:rPr>
+              <a:t> 200</a:t>
+            </a:r>
+          </a:p>
+          <a:p>
+            <a:pPr marL="742950" lvl="1" indent="-285750">
+              <a:buFont typeface="Arial" panose="020B0604020202020204" pitchFamily="34" charset="0"/>
+              <a:buChar char="•"/>
+            </a:pPr>
+            <a:r>
+              <a:rPr lang="pt-BR" sz="2000" kern="0" dirty="0">
+                <a:latin typeface="Calibri" panose="020F0502020204030204" pitchFamily="34" charset="0"/>
+                <a:ea typeface="Calibri" panose="020F0502020204030204" pitchFamily="34" charset="0"/>
+                <a:cs typeface="Calibri" panose="020F0502020204030204" pitchFamily="34" charset="0"/>
+                <a:sym typeface="Exo 2.0"/>
+              </a:rPr>
+              <a:t>Tamanho XXX</a:t>
+            </a:r>
+          </a:p>
+          <a:p>
+            <a:pPr marL="742950" lvl="1" indent="-285750">
+              <a:buFont typeface="Arial" panose="020B0604020202020204" pitchFamily="34" charset="0"/>
+              <a:buChar char="•"/>
+            </a:pPr>
+            <a:endParaRPr lang="pt-BR" sz="2000" kern="0" dirty="0">
+              <a:latin typeface="Calibri" panose="020F0502020204030204" pitchFamily="34" charset="0"/>
+              <a:ea typeface="Calibri" panose="020F0502020204030204" pitchFamily="34" charset="0"/>
+              <a:cs typeface="Calibri" panose="020F0502020204030204" pitchFamily="34" charset="0"/>
+              <a:sym typeface="Exo 2.0"/>
+            </a:endParaRPr>
           </a:p>
         </p:txBody>
       </p:sp>
     </p:spTree>
     <p:extLst>
       <p:ext uri="{BB962C8B-B14F-4D97-AF65-F5344CB8AC3E}">
-        <p14:creationId xmlns:p14="http://schemas.microsoft.com/office/powerpoint/2010/main" val="2818873461"/>
+        <p14:creationId xmlns:p14="http://schemas.microsoft.com/office/powerpoint/2010/main" val="2856363383"/>
       </p:ext>
     </p:extLst>
   </p:cSld>
@@ -5938,7 +5961,7 @@
         <p:spPr>
           <a:xfrm>
             <a:off x="54000" y="1394325"/>
-            <a:ext cx="11045526" cy="2757678"/>
+            <a:ext cx="11045526" cy="3065455"/>
           </a:xfrm>
           <a:prstGeom prst="rect">
             <a:avLst/>
@@ -5975,24 +5998,6 @@
               <a:buChar char="•"/>
             </a:pPr>
             <a:r>
-              <a:rPr lang="pt-BR" sz="2000" b="1" kern="0" dirty="0">
-                <a:solidFill>
-                  <a:schemeClr val="tx1"/>
-                </a:solidFill>
-                <a:latin typeface="Calibri" panose="020F0502020204030204" pitchFamily="34" charset="0"/>
-                <a:ea typeface="Calibri" panose="020F0502020204030204" pitchFamily="34" charset="0"/>
-                <a:cs typeface="Calibri" panose="020F0502020204030204" pitchFamily="34" charset="0"/>
-                <a:sym typeface="Exo 2.0"/>
-              </a:rPr>
-              <a:t>coisas que não são importantes, sem usar gráfico!</a:t>
-            </a:r>
-          </a:p>
-          <a:p>
-            <a:pPr marL="800100" lvl="1" indent="-342900" algn="just">
-              <a:buFont typeface="Arial" panose="020B0604020202020204" pitchFamily="34" charset="0"/>
-              <a:buChar char="•"/>
-            </a:pPr>
-            <a:r>
               <a:rPr lang="pt-BR" sz="2000" kern="0" dirty="0">
                 <a:solidFill>
                   <a:schemeClr val="tx1"/>
@@ -6002,7 +6007,52 @@
                 <a:cs typeface="Calibri" panose="020F0502020204030204" pitchFamily="34" charset="0"/>
                 <a:sym typeface="Exo 2.0"/>
               </a:rPr>
-              <a:t>O IP de origem não é importante. </a:t>
+              <a:t>O IP de origem dos clientes.</a:t>
+            </a:r>
+          </a:p>
+          <a:p>
+            <a:pPr marL="800100" lvl="1" indent="-342900" algn="just">
+              <a:buFont typeface="Arial" panose="020B0604020202020204" pitchFamily="34" charset="0"/>
+              <a:buChar char="•"/>
+            </a:pPr>
+            <a:r>
+              <a:rPr lang="pt-BR" sz="2000" kern="0" dirty="0">
+                <a:latin typeface="Calibri" panose="020F0502020204030204" pitchFamily="34" charset="0"/>
+                <a:ea typeface="Calibri" panose="020F0502020204030204" pitchFamily="34" charset="0"/>
+                <a:cs typeface="Calibri" panose="020F0502020204030204" pitchFamily="34" charset="0"/>
+                <a:sym typeface="Exo 2.0"/>
+              </a:rPr>
+              <a:t>Sessão dos clientes (sequência das requisições).</a:t>
+            </a:r>
+          </a:p>
+          <a:p>
+            <a:pPr marL="800100" lvl="1" indent="-342900" algn="just">
+              <a:buFont typeface="Arial" panose="020B0604020202020204" pitchFamily="34" charset="0"/>
+              <a:buChar char="•"/>
+            </a:pPr>
+            <a:r>
+              <a:rPr lang="pt-BR" sz="2000" kern="0" dirty="0" err="1">
+                <a:solidFill>
+                  <a:schemeClr val="tx1"/>
+                </a:solidFill>
+                <a:latin typeface="Calibri" panose="020F0502020204030204" pitchFamily="34" charset="0"/>
+                <a:ea typeface="Calibri" panose="020F0502020204030204" pitchFamily="34" charset="0"/>
+                <a:cs typeface="Calibri" panose="020F0502020204030204" pitchFamily="34" charset="0"/>
+                <a:sym typeface="Exo 2.0"/>
+              </a:rPr>
+              <a:t>User-agent</a:t>
+            </a:r>
+            <a:r>
+              <a:rPr lang="pt-BR" sz="2000" kern="0" dirty="0">
+                <a:solidFill>
+                  <a:schemeClr val="tx1"/>
+                </a:solidFill>
+                <a:latin typeface="Calibri" panose="020F0502020204030204" pitchFamily="34" charset="0"/>
+                <a:ea typeface="Calibri" panose="020F0502020204030204" pitchFamily="34" charset="0"/>
+                <a:cs typeface="Calibri" panose="020F0502020204030204" pitchFamily="34" charset="0"/>
+                <a:sym typeface="Exo 2.0"/>
+              </a:rPr>
+              <a:t> dos clientes</a:t>
             </a:r>
           </a:p>
           <a:p>

--- a/CMP223 - Workload Characterization.pptx
+++ b/CMP223 - Workload Characterization.pptx
@@ -4707,7 +4707,7 @@
         <p:spPr>
           <a:xfrm>
             <a:off x="53999" y="1394325"/>
-            <a:ext cx="11618047" cy="3988784"/>
+            <a:ext cx="11618047" cy="4604337"/>
           </a:xfrm>
           <a:prstGeom prst="rect">
             <a:avLst/>
@@ -4801,7 +4801,34 @@
                 <a:cs typeface="Calibri" panose="020F0502020204030204" pitchFamily="34" charset="0"/>
                 <a:sym typeface="Exo 2.0"/>
               </a:rPr>
-              <a:t>Para a análise dos dados consideramos 5M de linhas. Sendo possível termos o período de 2 dias consecutivos.  </a:t>
+              <a:t>Para a análise dos dados consideramos inicialmente 5M de linhas. Sendo possível termos a visão do período de 2 dias consecutivos. </a:t>
+            </a:r>
+          </a:p>
+          <a:p>
+            <a:pPr marL="800100" lvl="1" indent="-342900" algn="just">
+              <a:buFont typeface="Arial" panose="020B0604020202020204" pitchFamily="34" charset="0"/>
+              <a:buChar char="•"/>
+            </a:pPr>
+            <a:endParaRPr lang="pt-BR" sz="2000" kern="0" dirty="0">
+              <a:latin typeface="Calibri" panose="020F0502020204030204" pitchFamily="34" charset="0"/>
+              <a:ea typeface="Calibri" panose="020F0502020204030204" pitchFamily="34" charset="0"/>
+              <a:cs typeface="Calibri" panose="020F0502020204030204" pitchFamily="34" charset="0"/>
+              <a:sym typeface="Exo 2.0"/>
+            </a:endParaRPr>
+          </a:p>
+          <a:p>
+            <a:pPr marL="800100" lvl="1" indent="-342900" algn="just">
+              <a:buFont typeface="Arial" panose="020B0604020202020204" pitchFamily="34" charset="0"/>
+              <a:buChar char="•"/>
+            </a:pPr>
+            <a:r>
+              <a:rPr lang="pt-BR" sz="2000" kern="0" dirty="0">
+                <a:latin typeface="Calibri" panose="020F0502020204030204" pitchFamily="34" charset="0"/>
+                <a:ea typeface="Calibri" panose="020F0502020204030204" pitchFamily="34" charset="0"/>
+                <a:cs typeface="Calibri" panose="020F0502020204030204" pitchFamily="34" charset="0"/>
+                <a:sym typeface="Exo 2.0"/>
+              </a:rPr>
+              <a:t>Porém, focamos as análises no dia 23/02/2019 que correspondem a aproximadamente 2,3M. </a:t>
             </a:r>
           </a:p>
           <a:p>
@@ -4866,36 +4893,6 @@
           </a:p>
         </p:txBody>
       </p:sp>
-      <p:pic>
-        <p:nvPicPr>
-          <p:cNvPr id="5" name="Imagem 4">
-            <a:extLst>
-              <a:ext uri="{FF2B5EF4-FFF2-40B4-BE49-F238E27FC236}">
-                <a16:creationId xmlns:a16="http://schemas.microsoft.com/office/drawing/2014/main" id="{3002815D-63CF-0695-FF7B-BB82AE835732}"/>
-              </a:ext>
-            </a:extLst>
-          </p:cNvPr>
-          <p:cNvPicPr>
-            <a:picLocks noChangeAspect="1"/>
-          </p:cNvPicPr>
-          <p:nvPr/>
-        </p:nvPicPr>
-        <p:blipFill>
-          <a:blip r:embed="rId2"/>
-          <a:stretch>
-            <a:fillRect/>
-          </a:stretch>
-        </p:blipFill>
-        <p:spPr>
-          <a:xfrm>
-            <a:off x="3910441" y="3506343"/>
-            <a:ext cx="4371119" cy="3209925"/>
-          </a:xfrm>
-          <a:prstGeom prst="rect">
-            <a:avLst/>
-          </a:prstGeom>
-        </p:spPr>
-      </p:pic>
     </p:spTree>
     <p:extLst>
       <p:ext uri="{BB962C8B-B14F-4D97-AF65-F5344CB8AC3E}">
@@ -5129,7 +5126,7 @@
         </p:blipFill>
         <p:spPr>
           <a:xfrm>
-            <a:off x="2934324" y="2526832"/>
+            <a:off x="2979077" y="1793729"/>
             <a:ext cx="2561541" cy="2179029"/>
           </a:xfrm>
           <a:prstGeom prst="rect">
@@ -5159,7 +5156,7 @@
         </p:blipFill>
         <p:spPr>
           <a:xfrm>
-            <a:off x="86906" y="2526832"/>
+            <a:off x="6427258" y="1793729"/>
             <a:ext cx="2561541" cy="1946269"/>
           </a:xfrm>
           <a:prstGeom prst="rect">
@@ -5181,7 +5178,7 @@
         </p:nvSpPr>
         <p:spPr>
           <a:xfrm>
-            <a:off x="86906" y="1861435"/>
+            <a:off x="6427258" y="1193732"/>
             <a:ext cx="2561541" cy="523220"/>
           </a:xfrm>
           <a:prstGeom prst="rect">
@@ -5221,7 +5218,7 @@
         </p:nvSpPr>
         <p:spPr>
           <a:xfrm>
-            <a:off x="2934323" y="1926835"/>
+            <a:off x="2979076" y="1193732"/>
             <a:ext cx="2561542" cy="523220"/>
           </a:xfrm>
           <a:prstGeom prst="rect">
@@ -5259,8 +5256,8 @@
         </p:nvSpPr>
         <p:spPr>
           <a:xfrm>
-            <a:off x="6097801" y="1923611"/>
-            <a:ext cx="2318199" cy="307777"/>
+            <a:off x="2719100" y="4259546"/>
+            <a:ext cx="2749471" cy="523220"/>
           </a:xfrm>
           <a:prstGeom prst="rect">
             <a:avLst/>
@@ -5280,6 +5277,7 @@
             </a:lvl1pPr>
           </a:lstStyle>
           <a:p>
+            <a:pPr algn="ctr"/>
             <a:r>
               <a:rPr lang="pt-BR" dirty="0">
                 <a:sym typeface="Exo 2.0"/>
@@ -5287,6 +5285,15 @@
               <a:t>Frequência das requisições</a:t>
             </a:r>
           </a:p>
+          <a:p>
+            <a:pPr algn="ctr"/>
+            <a:r>
+              <a:rPr lang="pt-BR" dirty="0">
+                <a:sym typeface="Exo 2.0"/>
+              </a:rPr>
+              <a:t>Pico dia 23/01 as 11:00 (169.100)</a:t>
+            </a:r>
+          </a:p>
         </p:txBody>
       </p:sp>
       <p:sp>
@@ -5303,7 +5310,7 @@
         </p:nvSpPr>
         <p:spPr>
           <a:xfrm>
-            <a:off x="9350189" y="1923611"/>
+            <a:off x="6857297" y="4259546"/>
             <a:ext cx="2029723" cy="307777"/>
           </a:xfrm>
           <a:prstGeom prst="rect">
@@ -5333,6 +5340,66 @@
           </a:p>
         </p:txBody>
       </p:sp>
+      <p:pic>
+        <p:nvPicPr>
+          <p:cNvPr id="5" name="Imagem 4">
+            <a:extLst>
+              <a:ext uri="{FF2B5EF4-FFF2-40B4-BE49-F238E27FC236}">
+                <a16:creationId xmlns:a16="http://schemas.microsoft.com/office/drawing/2014/main" id="{B4DC1DD6-75D3-CF15-7CBA-EFF300DA58C3}"/>
+              </a:ext>
+            </a:extLst>
+          </p:cNvPr>
+          <p:cNvPicPr>
+            <a:picLocks noChangeAspect="1"/>
+          </p:cNvPicPr>
+          <p:nvPr/>
+        </p:nvPicPr>
+        <p:blipFill>
+          <a:blip r:embed="rId4"/>
+          <a:stretch>
+            <a:fillRect/>
+          </a:stretch>
+        </p:blipFill>
+        <p:spPr>
+          <a:xfrm>
+            <a:off x="2545359" y="4859543"/>
+            <a:ext cx="3096951" cy="1893164"/>
+          </a:xfrm>
+          <a:prstGeom prst="rect">
+            <a:avLst/>
+          </a:prstGeom>
+        </p:spPr>
+      </p:pic>
+      <p:pic>
+        <p:nvPicPr>
+          <p:cNvPr id="16" name="Imagem 15">
+            <a:extLst>
+              <a:ext uri="{FF2B5EF4-FFF2-40B4-BE49-F238E27FC236}">
+                <a16:creationId xmlns:a16="http://schemas.microsoft.com/office/drawing/2014/main" id="{610831DE-39CE-8954-401B-9D5B5E34C6D5}"/>
+              </a:ext>
+            </a:extLst>
+          </p:cNvPr>
+          <p:cNvPicPr>
+            <a:picLocks noChangeAspect="1"/>
+          </p:cNvPicPr>
+          <p:nvPr/>
+        </p:nvPicPr>
+        <p:blipFill>
+          <a:blip r:embed="rId5"/>
+          <a:stretch>
+            <a:fillRect/>
+          </a:stretch>
+        </p:blipFill>
+        <p:spPr>
+          <a:xfrm>
+            <a:off x="6227188" y="4859543"/>
+            <a:ext cx="3659306" cy="1823693"/>
+          </a:xfrm>
+          <a:prstGeom prst="rect">
+            <a:avLst/>
+          </a:prstGeom>
+        </p:spPr>
+      </p:pic>
     </p:spTree>
     <p:extLst>
       <p:ext uri="{BB962C8B-B14F-4D97-AF65-F5344CB8AC3E}">
@@ -5558,8 +5625,8 @@
         </p:nvSpPr>
         <p:spPr>
           <a:xfrm>
-            <a:off x="71720" y="1296683"/>
-            <a:ext cx="4324228" cy="3170099"/>
+            <a:off x="134473" y="1951106"/>
+            <a:ext cx="11689974" cy="2862322"/>
           </a:xfrm>
           <a:prstGeom prst="rect">
             <a:avLst/>
@@ -5577,13 +5644,22 @@
               <a:buChar char="•"/>
             </a:pPr>
             <a:r>
+              <a:rPr lang="pt-BR" sz="2000" kern="0" dirty="0" err="1">
+                <a:latin typeface="Calibri" panose="020F0502020204030204" pitchFamily="34" charset="0"/>
+                <a:ea typeface="Calibri" panose="020F0502020204030204" pitchFamily="34" charset="0"/>
+                <a:cs typeface="Calibri" panose="020F0502020204030204" pitchFamily="34" charset="0"/>
+                <a:sym typeface="Exo 2.0"/>
+              </a:rPr>
+              <a:t>Request</a:t>
+            </a:r>
+            <a:r>
               <a:rPr lang="pt-BR" sz="2000" kern="0" dirty="0">
                 <a:latin typeface="Calibri" panose="020F0502020204030204" pitchFamily="34" charset="0"/>
                 <a:ea typeface="Calibri" panose="020F0502020204030204" pitchFamily="34" charset="0"/>
                 <a:cs typeface="Calibri" panose="020F0502020204030204" pitchFamily="34" charset="0"/>
                 <a:sym typeface="Exo 2.0"/>
               </a:rPr>
-              <a:t>Resumo:</a:t>
+              <a:t> GET</a:t>
             </a:r>
           </a:p>
           <a:p>
@@ -5591,12 +5667,24 @@
               <a:buFont typeface="Arial" panose="020B0604020202020204" pitchFamily="34" charset="0"/>
               <a:buChar char="•"/>
             </a:pPr>
-            <a:endParaRPr lang="pt-BR" sz="2000" kern="0" dirty="0">
-              <a:latin typeface="Calibri" panose="020F0502020204030204" pitchFamily="34" charset="0"/>
-              <a:ea typeface="Calibri" panose="020F0502020204030204" pitchFamily="34" charset="0"/>
-              <a:cs typeface="Calibri" panose="020F0502020204030204" pitchFamily="34" charset="0"/>
-              <a:sym typeface="Exo 2.0"/>
-            </a:endParaRPr>
+            <a:r>
+              <a:rPr lang="pt-BR" sz="2000" kern="0" dirty="0" err="1">
+                <a:latin typeface="Calibri" panose="020F0502020204030204" pitchFamily="34" charset="0"/>
+                <a:ea typeface="Calibri" panose="020F0502020204030204" pitchFamily="34" charset="0"/>
+                <a:cs typeface="Calibri" panose="020F0502020204030204" pitchFamily="34" charset="0"/>
+                <a:sym typeface="Exo 2.0"/>
+              </a:rPr>
+              <a:t>Result</a:t>
+            </a:r>
+            <a:r>
+              <a:rPr lang="pt-BR" sz="2000" kern="0" dirty="0">
+                <a:latin typeface="Calibri" panose="020F0502020204030204" pitchFamily="34" charset="0"/>
+                <a:ea typeface="Calibri" panose="020F0502020204030204" pitchFamily="34" charset="0"/>
+                <a:cs typeface="Calibri" panose="020F0502020204030204" pitchFamily="34" charset="0"/>
+                <a:sym typeface="Exo 2.0"/>
+              </a:rPr>
+              <a:t> 200</a:t>
+            </a:r>
           </a:p>
           <a:p>
             <a:pPr marL="742950" lvl="1" indent="-285750">
@@ -5625,7 +5713,7 @@
                 <a:cs typeface="Calibri" panose="020F0502020204030204" pitchFamily="34" charset="0"/>
                 <a:sym typeface="Exo 2.0"/>
               </a:rPr>
-              <a:t>Pico XX/minuto</a:t>
+              <a:t>Pico 3875/minuto</a:t>
             </a:r>
           </a:p>
           <a:p>
@@ -5640,7 +5728,7 @@
                 <a:cs typeface="Calibri" panose="020F0502020204030204" pitchFamily="34" charset="0"/>
                 <a:sym typeface="Exo 2.0"/>
               </a:rPr>
-              <a:t>Média</a:t>
+              <a:t>Média: 2858/minuto</a:t>
             </a:r>
           </a:p>
           <a:p>
@@ -5655,7 +5743,7 @@
                 <a:cs typeface="Calibri" panose="020F0502020204030204" pitchFamily="34" charset="0"/>
                 <a:sym typeface="Exo 2.0"/>
               </a:rPr>
-              <a:t>Mediana</a:t>
+              <a:t>Mediana: 2776/minuto</a:t>
             </a:r>
           </a:p>
           <a:p>
@@ -5663,15 +5751,6 @@
               <a:buFont typeface="Arial" panose="020B0604020202020204" pitchFamily="34" charset="0"/>
               <a:buChar char="•"/>
             </a:pPr>
-            <a:r>
-              <a:rPr lang="pt-BR" sz="2000" kern="0" dirty="0" err="1">
-                <a:latin typeface="Calibri" panose="020F0502020204030204" pitchFamily="34" charset="0"/>
-                <a:ea typeface="Calibri" panose="020F0502020204030204" pitchFamily="34" charset="0"/>
-                <a:cs typeface="Calibri" panose="020F0502020204030204" pitchFamily="34" charset="0"/>
-                <a:sym typeface="Exo 2.0"/>
-              </a:rPr>
-              <a:t>Request</a:t>
-            </a:r>
             <a:r>
               <a:rPr lang="pt-BR" sz="2000" kern="0" dirty="0">
                 <a:latin typeface="Calibri" panose="020F0502020204030204" pitchFamily="34" charset="0"/>
@@ -5679,23 +5758,14 @@
                 <a:cs typeface="Calibri" panose="020F0502020204030204" pitchFamily="34" charset="0"/>
                 <a:sym typeface="Exo 2.0"/>
               </a:rPr>
-              <a:t> GET </a:t>
-            </a:r>
-          </a:p>
-          <a:p>
-            <a:pPr marL="742950" lvl="1" indent="-285750">
+              <a:t>Tamanho Pacote:</a:t>
+            </a:r>
+          </a:p>
+          <a:p>
+            <a:pPr marL="1200150" lvl="2" indent="-285750">
               <a:buFont typeface="Arial" panose="020B0604020202020204" pitchFamily="34" charset="0"/>
               <a:buChar char="•"/>
             </a:pPr>
-            <a:r>
-              <a:rPr lang="pt-BR" sz="2000" kern="0" dirty="0" err="1">
-                <a:latin typeface="Calibri" panose="020F0502020204030204" pitchFamily="34" charset="0"/>
-                <a:ea typeface="Calibri" panose="020F0502020204030204" pitchFamily="34" charset="0"/>
-                <a:cs typeface="Calibri" panose="020F0502020204030204" pitchFamily="34" charset="0"/>
-                <a:sym typeface="Exo 2.0"/>
-              </a:rPr>
-              <a:t>Result</a:t>
-            </a:r>
             <a:r>
               <a:rPr lang="pt-BR" sz="2000" kern="0" dirty="0">
                 <a:latin typeface="Calibri" panose="020F0502020204030204" pitchFamily="34" charset="0"/>
@@ -5703,35 +5773,57 @@
                 <a:cs typeface="Calibri" panose="020F0502020204030204" pitchFamily="34" charset="0"/>
                 <a:sym typeface="Exo 2.0"/>
               </a:rPr>
-              <a:t> 200</a:t>
-            </a:r>
-          </a:p>
-          <a:p>
-            <a:pPr marL="742950" lvl="1" indent="-285750">
-              <a:buFont typeface="Arial" panose="020B0604020202020204" pitchFamily="34" charset="0"/>
-              <a:buChar char="•"/>
-            </a:pPr>
-            <a:r>
-              <a:rPr lang="pt-BR" sz="2000" kern="0" dirty="0">
-                <a:latin typeface="Calibri" panose="020F0502020204030204" pitchFamily="34" charset="0"/>
-                <a:ea typeface="Calibri" panose="020F0502020204030204" pitchFamily="34" charset="0"/>
-                <a:cs typeface="Calibri" panose="020F0502020204030204" pitchFamily="34" charset="0"/>
-                <a:sym typeface="Exo 2.0"/>
-              </a:rPr>
-              <a:t>Tamanho XXX</a:t>
-            </a:r>
-          </a:p>
-          <a:p>
-            <a:pPr marL="742950" lvl="1" indent="-285750">
-              <a:buFont typeface="Arial" panose="020B0604020202020204" pitchFamily="34" charset="0"/>
-              <a:buChar char="•"/>
-            </a:pPr>
+              <a:t>Média 12401 Bytes</a:t>
+            </a:r>
+          </a:p>
+          <a:p>
+            <a:pPr lvl="2"/>
             <a:endParaRPr lang="pt-BR" sz="2000" kern="0" dirty="0">
               <a:latin typeface="Calibri" panose="020F0502020204030204" pitchFamily="34" charset="0"/>
               <a:ea typeface="Calibri" panose="020F0502020204030204" pitchFamily="34" charset="0"/>
               <a:cs typeface="Calibri" panose="020F0502020204030204" pitchFamily="34" charset="0"/>
               <a:sym typeface="Exo 2.0"/>
             </a:endParaRPr>
+          </a:p>
+        </p:txBody>
+      </p:sp>
+      <p:sp>
+        <p:nvSpPr>
+          <p:cNvPr id="2" name="CaixaDeTexto 1">
+            <a:extLst>
+              <a:ext uri="{FF2B5EF4-FFF2-40B4-BE49-F238E27FC236}">
+                <a16:creationId xmlns:a16="http://schemas.microsoft.com/office/drawing/2014/main" id="{23831A17-BC7F-BF32-185D-8A57A5A4F81E}"/>
+              </a:ext>
+            </a:extLst>
+          </p:cNvPr>
+          <p:cNvSpPr txBox="1"/>
+          <p:nvPr/>
+        </p:nvSpPr>
+        <p:spPr>
+          <a:xfrm>
+            <a:off x="370792" y="1333610"/>
+            <a:ext cx="1019831" cy="369332"/>
+          </a:xfrm>
+          <a:prstGeom prst="rect">
+            <a:avLst/>
+          </a:prstGeom>
+          <a:noFill/>
+        </p:spPr>
+        <p:txBody>
+          <a:bodyPr wrap="none" rtlCol="0">
+            <a:spAutoFit/>
+          </a:bodyPr>
+          <a:lstStyle/>
+          <a:p>
+            <a:r>
+              <a:rPr lang="pt-BR" sz="1800" b="1" kern="0" dirty="0">
+                <a:latin typeface="Calibri" panose="020F0502020204030204" pitchFamily="34" charset="0"/>
+                <a:ea typeface="Calibri" panose="020F0502020204030204" pitchFamily="34" charset="0"/>
+                <a:cs typeface="Calibri" panose="020F0502020204030204" pitchFamily="34" charset="0"/>
+                <a:sym typeface="Exo 2.0"/>
+              </a:rPr>
+              <a:t>Resumo:</a:t>
+            </a:r>
           </a:p>
         </p:txBody>
       </p:sp>
@@ -6052,7 +6144,7 @@
                 <a:cs typeface="Calibri" panose="020F0502020204030204" pitchFamily="34" charset="0"/>
                 <a:sym typeface="Exo 2.0"/>
               </a:rPr>
-              <a:t> dos clientes</a:t>
+              <a:t> dos clientes.</a:t>
             </a:r>
           </a:p>
           <a:p>
